--- a/Pres/Outro.pptx
+++ b/Pres/Outro.pptx
@@ -253,7 +253,7 @@
           <a:p>
             <a:fld id="{E15B7D8E-2A20-4C0E-991C-872DBB7459A8}" type="datetimeFigureOut">
               <a:rPr lang="da-DK" smtClean="0"/>
-              <a:t>14-04-2018</a:t>
+              <a:t>16-04-2018</a:t>
             </a:fld>
             <a:endParaRPr lang="da-DK"/>
           </a:p>
@@ -423,7 +423,7 @@
           <a:p>
             <a:fld id="{E15B7D8E-2A20-4C0E-991C-872DBB7459A8}" type="datetimeFigureOut">
               <a:rPr lang="da-DK" smtClean="0"/>
-              <a:t>14-04-2018</a:t>
+              <a:t>16-04-2018</a:t>
             </a:fld>
             <a:endParaRPr lang="da-DK"/>
           </a:p>
@@ -603,7 +603,7 @@
           <a:p>
             <a:fld id="{E15B7D8E-2A20-4C0E-991C-872DBB7459A8}" type="datetimeFigureOut">
               <a:rPr lang="da-DK" smtClean="0"/>
-              <a:t>14-04-2018</a:t>
+              <a:t>16-04-2018</a:t>
             </a:fld>
             <a:endParaRPr lang="da-DK"/>
           </a:p>
@@ -773,7 +773,7 @@
           <a:p>
             <a:fld id="{E15B7D8E-2A20-4C0E-991C-872DBB7459A8}" type="datetimeFigureOut">
               <a:rPr lang="da-DK" smtClean="0"/>
-              <a:t>14-04-2018</a:t>
+              <a:t>16-04-2018</a:t>
             </a:fld>
             <a:endParaRPr lang="da-DK"/>
           </a:p>
@@ -1019,7 +1019,7 @@
           <a:p>
             <a:fld id="{E15B7D8E-2A20-4C0E-991C-872DBB7459A8}" type="datetimeFigureOut">
               <a:rPr lang="da-DK" smtClean="0"/>
-              <a:t>14-04-2018</a:t>
+              <a:t>16-04-2018</a:t>
             </a:fld>
             <a:endParaRPr lang="da-DK"/>
           </a:p>
@@ -1251,7 +1251,7 @@
           <a:p>
             <a:fld id="{E15B7D8E-2A20-4C0E-991C-872DBB7459A8}" type="datetimeFigureOut">
               <a:rPr lang="da-DK" smtClean="0"/>
-              <a:t>14-04-2018</a:t>
+              <a:t>16-04-2018</a:t>
             </a:fld>
             <a:endParaRPr lang="da-DK"/>
           </a:p>
@@ -1618,7 +1618,7 @@
           <a:p>
             <a:fld id="{E15B7D8E-2A20-4C0E-991C-872DBB7459A8}" type="datetimeFigureOut">
               <a:rPr lang="da-DK" smtClean="0"/>
-              <a:t>14-04-2018</a:t>
+              <a:t>16-04-2018</a:t>
             </a:fld>
             <a:endParaRPr lang="da-DK"/>
           </a:p>
@@ -1736,7 +1736,7 @@
           <a:p>
             <a:fld id="{E15B7D8E-2A20-4C0E-991C-872DBB7459A8}" type="datetimeFigureOut">
               <a:rPr lang="da-DK" smtClean="0"/>
-              <a:t>14-04-2018</a:t>
+              <a:t>16-04-2018</a:t>
             </a:fld>
             <a:endParaRPr lang="da-DK"/>
           </a:p>
@@ -1831,7 +1831,7 @@
           <a:p>
             <a:fld id="{E15B7D8E-2A20-4C0E-991C-872DBB7459A8}" type="datetimeFigureOut">
               <a:rPr lang="da-DK" smtClean="0"/>
-              <a:t>14-04-2018</a:t>
+              <a:t>16-04-2018</a:t>
             </a:fld>
             <a:endParaRPr lang="da-DK"/>
           </a:p>
@@ -2108,7 +2108,7 @@
           <a:p>
             <a:fld id="{E15B7D8E-2A20-4C0E-991C-872DBB7459A8}" type="datetimeFigureOut">
               <a:rPr lang="da-DK" smtClean="0"/>
-              <a:t>14-04-2018</a:t>
+              <a:t>16-04-2018</a:t>
             </a:fld>
             <a:endParaRPr lang="da-DK"/>
           </a:p>
@@ -2361,7 +2361,7 @@
           <a:p>
             <a:fld id="{E15B7D8E-2A20-4C0E-991C-872DBB7459A8}" type="datetimeFigureOut">
               <a:rPr lang="da-DK" smtClean="0"/>
-              <a:t>14-04-2018</a:t>
+              <a:t>16-04-2018</a:t>
             </a:fld>
             <a:endParaRPr lang="da-DK"/>
           </a:p>
@@ -2574,7 +2574,7 @@
           <a:p>
             <a:fld id="{E15B7D8E-2A20-4C0E-991C-872DBB7459A8}" type="datetimeFigureOut">
               <a:rPr lang="da-DK" smtClean="0"/>
-              <a:t>14-04-2018</a:t>
+              <a:t>16-04-2018</a:t>
             </a:fld>
             <a:endParaRPr lang="da-DK"/>
           </a:p>
@@ -3090,40 +3090,47 @@
           <a:chExt cx="0" cy="0"/>
         </a:xfrm>
       </p:grpSpPr>
-      <p:sp>
-        <p:nvSpPr>
-          <p:cNvPr id="2" name="Titel 1"/>
-          <p:cNvSpPr>
-            <a:spLocks noGrp="1"/>
-          </p:cNvSpPr>
-          <p:nvPr>
-            <p:ph type="ctrTitle"/>
-          </p:nvPr>
-        </p:nvSpPr>
-        <p:spPr>
+      <p:pic>
+        <p:nvPicPr>
+          <p:cNvPr id="4" name="Picture 2" descr="Billedresultat for question mark icon"/>
+          <p:cNvPicPr>
+            <a:picLocks noChangeAspect="1" noChangeArrowheads="1"/>
+          </p:cNvPicPr>
+          <p:nvPr/>
+        </p:nvPicPr>
+        <p:blipFill>
+          <a:blip r:embed="rId2" cstate="print">
+            <a:extLst>
+              <a:ext uri="{28A0092B-C50C-407E-A947-70E740481C1C}">
+                <a14:useLocalDpi xmlns:a14="http://schemas.microsoft.com/office/drawing/2010/main" val="0"/>
+              </a:ext>
+            </a:extLst>
+          </a:blip>
+          <a:srcRect/>
+          <a:stretch>
+            <a:fillRect/>
+          </a:stretch>
+        </p:blipFill>
+        <p:spPr bwMode="auto">
           <a:xfrm>
-            <a:off x="78205" y="318837"/>
-            <a:ext cx="12003507" cy="6027821"/>
+            <a:off x="3284006" y="596151"/>
+            <a:ext cx="5760000" cy="5760000"/>
           </a:xfrm>
+          <a:prstGeom prst="rect">
+            <a:avLst/>
+          </a:prstGeom>
+          <a:noFill/>
+          <a:extLst>
+            <a:ext uri="{909E8E84-426E-40DD-AFC4-6F175D3DCCD1}">
+              <a14:hiddenFill xmlns:a14="http://schemas.microsoft.com/office/drawing/2010/main">
+                <a:solidFill>
+                  <a:srgbClr val="FFFFFF"/>
+                </a:solidFill>
+              </a14:hiddenFill>
+            </a:ext>
+          </a:extLst>
         </p:spPr>
-        <p:txBody>
-          <a:bodyPr anchor="ctr">
-            <a:normAutofit/>
-          </a:bodyPr>
-          <a:lstStyle/>
-          <a:p>
-            <a:r>
-              <a:rPr lang="en-US" sz="19200" b="1" smtClean="0"/>
-              <a:t>?</a:t>
-            </a:r>
-            <a:endParaRPr lang="da-DK" sz="19200" i="1">
-              <a:solidFill>
-                <a:srgbClr val="FF0000"/>
-              </a:solidFill>
-            </a:endParaRPr>
-          </a:p>
-        </p:txBody>
-      </p:sp>
+      </p:pic>
     </p:spTree>
     <p:extLst>
       <p:ext uri="{BB962C8B-B14F-4D97-AF65-F5344CB8AC3E}">
@@ -3134,6 +3141,18 @@
   <p:clrMapOvr>
     <a:masterClrMapping/>
   </p:clrMapOvr>
+  <mc:AlternateContent xmlns:mc="http://schemas.openxmlformats.org/markup-compatibility/2006">
+    <mc:Choice xmlns:p14="http://schemas.microsoft.com/office/powerpoint/2010/main" Requires="p14">
+      <p:transition spd="med" p14:dur="700">
+        <p:fade/>
+      </p:transition>
+    </mc:Choice>
+    <mc:Fallback>
+      <p:transition spd="med">
+        <p:fade/>
+      </p:transition>
+    </mc:Fallback>
+  </mc:AlternateContent>
   <p:timing>
     <p:tnLst>
       <p:par>
@@ -3236,6 +3255,18 @@
   <p:clrMapOvr>
     <a:masterClrMapping/>
   </p:clrMapOvr>
+  <mc:AlternateContent xmlns:mc="http://schemas.openxmlformats.org/markup-compatibility/2006">
+    <mc:Choice xmlns:p14="http://schemas.microsoft.com/office/powerpoint/2010/main" Requires="p14">
+      <p:transition spd="med" p14:dur="700">
+        <p:fade/>
+      </p:transition>
+    </mc:Choice>
+    <mc:Fallback>
+      <p:transition spd="med">
+        <p:fade/>
+      </p:transition>
+    </mc:Fallback>
+  </mc:AlternateContent>
   <p:timing>
     <p:tnLst>
       <p:par>
@@ -3387,7 +3418,15 @@
           <a:p>
             <a:r>
               <a:rPr lang="da-DK" smtClean="0"/>
-              <a:t>Perhaps more a references than a textbook…</a:t>
+              <a:t>Perhaps more a </a:t>
+            </a:r>
+            <a:r>
+              <a:rPr lang="da-DK" smtClean="0"/>
+              <a:t>reference book </a:t>
+            </a:r>
+            <a:r>
+              <a:rPr lang="da-DK" smtClean="0"/>
+              <a:t>than a textbook…</a:t>
             </a:r>
           </a:p>
           <a:p>
@@ -3399,7 +3438,6 @@
               <a:rPr lang="da-DK"/>
               <a:t>978-0201633610</a:t>
             </a:r>
-            <a:endParaRPr lang="da-DK"/>
           </a:p>
         </p:txBody>
       </p:sp>
@@ -3556,7 +3594,6 @@
               <a:rPr lang="da-DK"/>
               <a:t>978-0596007126</a:t>
             </a:r>
-            <a:endParaRPr lang="da-DK"/>
           </a:p>
         </p:txBody>
       </p:sp>
@@ -3701,7 +3738,15 @@
           <a:p>
             <a:r>
               <a:rPr lang="da-DK" smtClean="0"/>
-              <a:t>Links SOLID with agile software development</a:t>
+              <a:t>Links SOLID </a:t>
+            </a:r>
+            <a:r>
+              <a:rPr lang="da-DK" smtClean="0"/>
+              <a:t>principles with </a:t>
+            </a:r>
+            <a:r>
+              <a:rPr lang="da-DK" smtClean="0"/>
+              <a:t>agile software development</a:t>
             </a:r>
           </a:p>
           <a:p>
@@ -3719,7 +3764,6 @@
               <a:rPr lang="da-DK"/>
               <a:t>978-0735683204</a:t>
             </a:r>
-            <a:endParaRPr lang="da-DK"/>
           </a:p>
         </p:txBody>
       </p:sp>
@@ -3830,7 +3874,11 @@
           <a:p>
             <a:r>
               <a:rPr lang="da-DK" b="1" smtClean="0"/>
-              <a:t>The webz…</a:t>
+              <a:t>The </a:t>
+            </a:r>
+            <a:r>
+              <a:rPr lang="da-DK" b="1" smtClean="0"/>
+              <a:t>web…</a:t>
             </a:r>
             <a:endParaRPr lang="da-DK" b="1"/>
           </a:p>
@@ -4019,7 +4067,21 @@
           <a:p>
             <a:r>
               <a:rPr lang="da-DK" smtClean="0"/>
-              <a:t>Code towards </a:t>
+              <a:t>Think (and code) in terms of </a:t>
+            </a:r>
+            <a:r>
+              <a:rPr lang="da-DK" b="1" smtClean="0"/>
+              <a:t>abstractions</a:t>
+            </a:r>
+          </a:p>
+          <a:p>
+            <a:r>
+              <a:rPr lang="da-DK" smtClean="0"/>
+              <a:t>Code </a:t>
+            </a:r>
+            <a:r>
+              <a:rPr lang="da-DK" smtClean="0"/>
+              <a:t>towards </a:t>
             </a:r>
             <a:r>
               <a:rPr lang="da-DK" b="1" smtClean="0"/>
@@ -4027,7 +4089,11 @@
             </a:r>
             <a:r>
               <a:rPr lang="da-DK" smtClean="0"/>
-              <a:t> instead of specific implementations</a:t>
+              <a:t> instead of specific </a:t>
+            </a:r>
+            <a:r>
+              <a:rPr lang="da-DK" smtClean="0"/>
+              <a:t>implementations</a:t>
             </a:r>
           </a:p>
           <a:p>
@@ -4037,8 +4103,32 @@
             </a:r>
             <a:r>
               <a:rPr lang="da-DK" smtClean="0"/>
-              <a:t> parts that vary</a:t>
-            </a:r>
+              <a:t> creation of specific objects</a:t>
+            </a:r>
+            <a:endParaRPr lang="da-DK" smtClean="0"/>
+          </a:p>
+          <a:p>
+            <a:r>
+              <a:rPr lang="da-DK" smtClean="0"/>
+              <a:t>Identify parts of your code that may </a:t>
+            </a:r>
+            <a:r>
+              <a:rPr lang="da-DK" b="1" smtClean="0"/>
+              <a:t>vary</a:t>
+            </a:r>
+            <a:r>
+              <a:rPr lang="da-DK" smtClean="0"/>
+              <a:t>, and create </a:t>
+            </a:r>
+            <a:r>
+              <a:rPr lang="da-DK" b="1" smtClean="0"/>
+              <a:t>extension points </a:t>
+            </a:r>
+            <a:r>
+              <a:rPr lang="da-DK" smtClean="0"/>
+              <a:t>to manage variation</a:t>
+            </a:r>
+            <a:endParaRPr lang="da-DK" smtClean="0"/>
           </a:p>
           <a:p>
             <a:r>
@@ -4290,19 +4380,7 @@
                 <a:cs typeface="Calibri" panose="020F0502020204030204" pitchFamily="34" charset="0"/>
                 <a:hlinkClick r:id="rId2"/>
               </a:rPr>
-              <a:t>https</a:t>
-            </a:r>
-            <a:r>
-              <a:rPr lang="en-US" sz="3600" u="sng">
-                <a:solidFill>
-                  <a:srgbClr val="0563C1"/>
-                </a:solidFill>
-                <a:latin typeface="Calibri" panose="020F0502020204030204" pitchFamily="34" charset="0"/>
-                <a:ea typeface="Times New Roman" panose="02020603050405020304" pitchFamily="18" charset="0"/>
-                <a:cs typeface="Calibri" panose="020F0502020204030204" pitchFamily="34" charset="0"/>
-                <a:hlinkClick r:id="rId2"/>
-              </a:rPr>
-              <a:t>://</a:t>
+              <a:t>https://</a:t>
             </a:r>
             <a:r>
               <a:rPr lang="en-US" sz="3600" u="sng" smtClean="0">
